--- a/quypv/IndexedDB_QuyPV_v04011.pptx
+++ b/quypv/IndexedDB_QuyPV_v04011.pptx
@@ -135,6 +135,22 @@
       </a:defRPr>
     </a:lvl9pPr>
   </p:defaultTextStyle>
+  <p:extLst>
+    <p:ext uri="{EFAFB233-063F-42B5-8137-9DF3F51BA10A}">
+      <p15:sldGuideLst xmlns:p15="http://schemas.microsoft.com/office/powerpoint/2012/main">
+        <p15:guide id="1" orient="horz" pos="2160">
+          <p15:clr>
+            <a:srgbClr val="A4A3A4"/>
+          </p15:clr>
+        </p15:guide>
+        <p15:guide id="2" pos="2880">
+          <p15:clr>
+            <a:srgbClr val="A4A3A4"/>
+          </p15:clr>
+        </p15:guide>
+      </p15:sldGuideLst>
+    </p:ext>
+  </p:extLst>
 </p:presentation>
 </file>
 
@@ -221,7 +237,7 @@
             <a:fld id="{AEC239D8-9946-CA43-8D24-8F75F9EC746F}" type="datetimeFigureOut">
               <a:rPr lang="en-US" smtClean="0"/>
               <a:pPr/>
-              <a:t>4/1/2015</a:t>
+              <a:t>03/04/2015</a:t>
             </a:fld>
             <a:endParaRPr lang="en-US"/>
           </a:p>
@@ -297,7 +313,7 @@
     </p:spTree>
     <p:extLst>
       <p:ext uri="{BB962C8B-B14F-4D97-AF65-F5344CB8AC3E}">
-        <p14:creationId xmlns="" xmlns:p14="http://schemas.microsoft.com/office/powerpoint/2010/main" val="3557071831"/>
+        <p14:creationId xmlns:p14="http://schemas.microsoft.com/office/powerpoint/2010/main" val="3557071831"/>
       </p:ext>
     </p:extLst>
   </p:cSld>
@@ -389,7 +405,7 @@
             <a:fld id="{30D3C4F2-547F-4EAC-A4FB-1991884D518B}" type="datetimeFigureOut">
               <a:rPr lang="en-US" smtClean="0"/>
               <a:pPr/>
-              <a:t>4/1/2015</a:t>
+              <a:t>03/04/2015</a:t>
             </a:fld>
             <a:endParaRPr lang="en-US"/>
           </a:p>
@@ -560,7 +576,7 @@
     </p:spTree>
     <p:extLst>
       <p:ext uri="{BB962C8B-B14F-4D97-AF65-F5344CB8AC3E}">
-        <p14:creationId xmlns="" xmlns:p14="http://schemas.microsoft.com/office/powerpoint/2010/main" val="967518016"/>
+        <p14:creationId xmlns:p14="http://schemas.microsoft.com/office/powerpoint/2010/main" val="967518016"/>
       </p:ext>
     </p:extLst>
   </p:cSld>
@@ -736,6 +752,11 @@
         </p:txBody>
       </p:sp>
     </p:spTree>
+    <p:extLst>
+      <p:ext uri="{BB962C8B-B14F-4D97-AF65-F5344CB8AC3E}">
+        <p14:creationId xmlns:p14="http://schemas.microsoft.com/office/powerpoint/2010/main" val="1362293773"/>
+      </p:ext>
+    </p:extLst>
   </p:cSld>
   <p:clrMapOvr>
     <a:masterClrMapping/>
@@ -1062,6 +1083,11 @@
         </p:txBody>
       </p:sp>
     </p:spTree>
+    <p:extLst>
+      <p:ext uri="{BB962C8B-B14F-4D97-AF65-F5344CB8AC3E}">
+        <p14:creationId xmlns:p14="http://schemas.microsoft.com/office/powerpoint/2010/main" val="817872931"/>
+      </p:ext>
+    </p:extLst>
   </p:cSld>
   <p:clrMapOvr>
     <a:masterClrMapping/>
@@ -1144,6 +1170,11 @@
         </p:txBody>
       </p:sp>
     </p:spTree>
+    <p:extLst>
+      <p:ext uri="{BB962C8B-B14F-4D97-AF65-F5344CB8AC3E}">
+        <p14:creationId xmlns:p14="http://schemas.microsoft.com/office/powerpoint/2010/main" val="3903173447"/>
+      </p:ext>
+    </p:extLst>
   </p:cSld>
   <p:clrMapOvr>
     <a:masterClrMapping/>
@@ -1346,6 +1377,11 @@
         </p:txBody>
       </p:sp>
     </p:spTree>
+    <p:extLst>
+      <p:ext uri="{BB962C8B-B14F-4D97-AF65-F5344CB8AC3E}">
+        <p14:creationId xmlns:p14="http://schemas.microsoft.com/office/powerpoint/2010/main" val="2950529387"/>
+      </p:ext>
+    </p:extLst>
   </p:cSld>
   <p:clrMapOvr>
     <a:masterClrMapping/>
@@ -1548,6 +1584,11 @@
         </p:txBody>
       </p:sp>
     </p:spTree>
+    <p:extLst>
+      <p:ext uri="{BB962C8B-B14F-4D97-AF65-F5344CB8AC3E}">
+        <p14:creationId xmlns:p14="http://schemas.microsoft.com/office/powerpoint/2010/main" val="2913962783"/>
+      </p:ext>
+    </p:extLst>
   </p:cSld>
   <p:clrMapOvr>
     <a:masterClrMapping/>
@@ -1684,6 +1725,11 @@
         </p:txBody>
       </p:sp>
     </p:spTree>
+    <p:extLst>
+      <p:ext uri="{BB962C8B-B14F-4D97-AF65-F5344CB8AC3E}">
+        <p14:creationId xmlns:p14="http://schemas.microsoft.com/office/powerpoint/2010/main" val="1148898757"/>
+      </p:ext>
+    </p:extLst>
   </p:cSld>
   <p:clrMapOvr>
     <a:masterClrMapping/>
@@ -1888,6 +1934,11 @@
         </p:txBody>
       </p:sp>
     </p:spTree>
+    <p:extLst>
+      <p:ext uri="{BB962C8B-B14F-4D97-AF65-F5344CB8AC3E}">
+        <p14:creationId xmlns:p14="http://schemas.microsoft.com/office/powerpoint/2010/main" val="2231076898"/>
+      </p:ext>
+    </p:extLst>
   </p:cSld>
   <p:clrMapOvr>
     <a:masterClrMapping/>
@@ -2167,6 +2218,11 @@
         </p:txBody>
       </p:sp>
     </p:spTree>
+    <p:extLst>
+      <p:ext uri="{BB962C8B-B14F-4D97-AF65-F5344CB8AC3E}">
+        <p14:creationId xmlns:p14="http://schemas.microsoft.com/office/powerpoint/2010/main" val="1651149214"/>
+      </p:ext>
+    </p:extLst>
   </p:cSld>
   <p:clrMapOvr>
     <a:masterClrMapping/>
@@ -2321,6 +2377,11 @@
         </p:txBody>
       </p:sp>
     </p:spTree>
+    <p:extLst>
+      <p:ext uri="{BB962C8B-B14F-4D97-AF65-F5344CB8AC3E}">
+        <p14:creationId xmlns:p14="http://schemas.microsoft.com/office/powerpoint/2010/main" val="21902272"/>
+      </p:ext>
+    </p:extLst>
   </p:cSld>
   <p:clrMapOvr>
     <a:masterClrMapping/>
@@ -2499,6 +2560,11 @@
         </p:txBody>
       </p:sp>
     </p:spTree>
+    <p:extLst>
+      <p:ext uri="{BB962C8B-B14F-4D97-AF65-F5344CB8AC3E}">
+        <p14:creationId xmlns:p14="http://schemas.microsoft.com/office/powerpoint/2010/main" val="2546839760"/>
+      </p:ext>
+    </p:extLst>
   </p:cSld>
   <p:clrMapOvr>
     <a:masterClrMapping/>
@@ -2692,7 +2758,7 @@
             <a:fld id="{BC3ED275-7153-994E-99D9-5909A673DFFD}" type="datetime2">
               <a:rPr lang="en-US" smtClean="0"/>
               <a:pPr/>
-              <a:t>Wednesday, April 01, 2015</a:t>
+              <a:t>Friday, April 03, 2015</a:t>
             </a:fld>
             <a:endParaRPr lang="en-US"/>
           </a:p>
@@ -2758,13 +2824,13 @@
   <p:clrMapOvr>
     <a:masterClrMapping/>
   </p:clrMapOvr>
-  <mc:AlternateContent xmlns:mc="http://schemas.openxmlformats.org/markup-compatibility/2006">
-    <mc:Choice xmlns="" xmlns:p14="http://schemas.microsoft.com/office/powerpoint/2010/main" Requires="p14">
+  <mc:AlternateContent xmlns:mc="http://schemas.openxmlformats.org/markup-compatibility/2006" xmlns:p14="http://schemas.microsoft.com/office/powerpoint/2010/main">
+    <mc:Choice Requires="p14">
       <p:transition p14:dur="100">
         <p:cut/>
       </p:transition>
     </mc:Choice>
-    <mc:Fallback>
+    <mc:Fallback xmlns="">
       <p:transition>
         <p:cut/>
       </p:transition>
@@ -2887,7 +2953,7 @@
             <a:fld id="{604E6C61-ACAA-C24F-8F8A-3369455B37E6}" type="datetime2">
               <a:rPr lang="en-US" smtClean="0"/>
               <a:pPr/>
-              <a:t>Wednesday, April 01, 2015</a:t>
+              <a:t>Friday, April 03, 2015</a:t>
             </a:fld>
             <a:endParaRPr lang="en-US"/>
           </a:p>
@@ -2953,13 +3019,13 @@
   <p:clrMapOvr>
     <a:masterClrMapping/>
   </p:clrMapOvr>
-  <mc:AlternateContent xmlns:mc="http://schemas.openxmlformats.org/markup-compatibility/2006">
-    <mc:Choice xmlns="" xmlns:p14="http://schemas.microsoft.com/office/powerpoint/2010/main" Requires="p14">
+  <mc:AlternateContent xmlns:mc="http://schemas.openxmlformats.org/markup-compatibility/2006" xmlns:p14="http://schemas.microsoft.com/office/powerpoint/2010/main">
+    <mc:Choice Requires="p14">
       <p:transition p14:dur="100">
         <p:cut/>
       </p:transition>
     </mc:Choice>
-    <mc:Fallback>
+    <mc:Fallback xmlns="">
       <p:transition>
         <p:cut/>
       </p:transition>
@@ -3092,7 +3158,7 @@
             <a:fld id="{6081A34F-7B18-5F4C-91E8-15A0B2DB6558}" type="datetime2">
               <a:rPr lang="en-US" smtClean="0"/>
               <a:pPr/>
-              <a:t>Wednesday, April 01, 2015</a:t>
+              <a:t>Friday, April 03, 2015</a:t>
             </a:fld>
             <a:endParaRPr lang="en-US"/>
           </a:p>
@@ -3158,13 +3224,13 @@
   <p:clrMapOvr>
     <a:masterClrMapping/>
   </p:clrMapOvr>
-  <mc:AlternateContent xmlns:mc="http://schemas.openxmlformats.org/markup-compatibility/2006">
-    <mc:Choice xmlns="" xmlns:p14="http://schemas.microsoft.com/office/powerpoint/2010/main" Requires="p14">
+  <mc:AlternateContent xmlns:mc="http://schemas.openxmlformats.org/markup-compatibility/2006" xmlns:p14="http://schemas.microsoft.com/office/powerpoint/2010/main">
+    <mc:Choice Requires="p14">
       <p:transition p14:dur="100">
         <p:cut/>
       </p:transition>
     </mc:Choice>
-    <mc:Fallback>
+    <mc:Fallback xmlns="">
       <p:transition>
         <p:cut/>
       </p:transition>
@@ -3297,7 +3363,7 @@
             <a:fld id="{C5608FE6-F300-CA4F-8754-F30BE5DB2C02}" type="datetime2">
               <a:rPr lang="en-US" smtClean="0"/>
               <a:pPr/>
-              <a:t>Wednesday, April 01, 2015</a:t>
+              <a:t>Friday, April 03, 2015</a:t>
             </a:fld>
             <a:endParaRPr lang="en-US"/>
           </a:p>
@@ -3363,13 +3429,13 @@
   <p:clrMapOvr>
     <a:masterClrMapping/>
   </p:clrMapOvr>
-  <mc:AlternateContent xmlns:mc="http://schemas.openxmlformats.org/markup-compatibility/2006">
-    <mc:Choice xmlns="" xmlns:p14="http://schemas.microsoft.com/office/powerpoint/2010/main" Requires="p14">
+  <mc:AlternateContent xmlns:mc="http://schemas.openxmlformats.org/markup-compatibility/2006" xmlns:p14="http://schemas.microsoft.com/office/powerpoint/2010/main">
+    <mc:Choice Requires="p14">
       <p:transition p14:dur="100">
         <p:cut/>
       </p:transition>
     </mc:Choice>
-    <mc:Fallback>
+    <mc:Fallback xmlns="">
       <p:transition>
         <p:cut/>
       </p:transition>
@@ -3568,7 +3634,7 @@
             <a:fld id="{35907637-DE80-574B-9387-2B6489C2DDA9}" type="datetime2">
               <a:rPr lang="en-US" smtClean="0"/>
               <a:pPr/>
-              <a:t>Wednesday, April 01, 2015</a:t>
+              <a:t>Friday, April 03, 2015</a:t>
             </a:fld>
             <a:endParaRPr lang="en-US"/>
           </a:p>
@@ -3634,13 +3700,13 @@
   <p:clrMapOvr>
     <a:masterClrMapping/>
   </p:clrMapOvr>
-  <mc:AlternateContent xmlns:mc="http://schemas.openxmlformats.org/markup-compatibility/2006">
-    <mc:Choice xmlns="" xmlns:p14="http://schemas.microsoft.com/office/powerpoint/2010/main" Requires="p14">
+  <mc:AlternateContent xmlns:mc="http://schemas.openxmlformats.org/markup-compatibility/2006" xmlns:p14="http://schemas.microsoft.com/office/powerpoint/2010/main">
+    <mc:Choice Requires="p14">
       <p:transition p14:dur="100">
         <p:cut/>
       </p:transition>
     </mc:Choice>
-    <mc:Fallback>
+    <mc:Fallback xmlns="">
       <p:transition>
         <p:cut/>
       </p:transition>
@@ -3886,7 +3952,7 @@
             <a:fld id="{B29FAD1F-AC8E-0749-90DA-216529CFB27D}" type="datetime2">
               <a:rPr lang="en-US" smtClean="0"/>
               <a:pPr/>
-              <a:t>Wednesday, April 01, 2015</a:t>
+              <a:t>Friday, April 03, 2015</a:t>
             </a:fld>
             <a:endParaRPr lang="en-US"/>
           </a:p>
@@ -3952,13 +4018,13 @@
   <p:clrMapOvr>
     <a:masterClrMapping/>
   </p:clrMapOvr>
-  <mc:AlternateContent xmlns:mc="http://schemas.openxmlformats.org/markup-compatibility/2006">
-    <mc:Choice xmlns="" xmlns:p14="http://schemas.microsoft.com/office/powerpoint/2010/main" Requires="p14">
+  <mc:AlternateContent xmlns:mc="http://schemas.openxmlformats.org/markup-compatibility/2006" xmlns:p14="http://schemas.microsoft.com/office/powerpoint/2010/main">
+    <mc:Choice Requires="p14">
       <p:transition p14:dur="100">
         <p:cut/>
       </p:transition>
     </mc:Choice>
-    <mc:Fallback>
+    <mc:Fallback xmlns="">
       <p:transition>
         <p:cut/>
       </p:transition>
@@ -4338,7 +4404,7 @@
             <a:fld id="{C14BE83E-0675-4D45-9588-77AC2712A327}" type="datetime2">
               <a:rPr lang="en-US" smtClean="0"/>
               <a:pPr/>
-              <a:t>Wednesday, April 01, 2015</a:t>
+              <a:t>Friday, April 03, 2015</a:t>
             </a:fld>
             <a:endParaRPr lang="en-US"/>
           </a:p>
@@ -4404,13 +4470,13 @@
   <p:clrMapOvr>
     <a:masterClrMapping/>
   </p:clrMapOvr>
-  <mc:AlternateContent xmlns:mc="http://schemas.openxmlformats.org/markup-compatibility/2006">
-    <mc:Choice xmlns="" xmlns:p14="http://schemas.microsoft.com/office/powerpoint/2010/main" Requires="p14">
+  <mc:AlternateContent xmlns:mc="http://schemas.openxmlformats.org/markup-compatibility/2006" xmlns:p14="http://schemas.microsoft.com/office/powerpoint/2010/main">
+    <mc:Choice Requires="p14">
       <p:transition p14:dur="100">
         <p:cut/>
       </p:transition>
     </mc:Choice>
-    <mc:Fallback>
+    <mc:Fallback xmlns="">
       <p:transition>
         <p:cut/>
       </p:transition>
@@ -4486,7 +4552,7 @@
             <a:fld id="{2A00E04D-79B7-6D41-BB08-435F493F6C30}" type="datetime2">
               <a:rPr lang="en-US" smtClean="0"/>
               <a:pPr/>
-              <a:t>Wednesday, April 01, 2015</a:t>
+              <a:t>Friday, April 03, 2015</a:t>
             </a:fld>
             <a:endParaRPr lang="en-US"/>
           </a:p>
@@ -4552,13 +4618,13 @@
   <p:clrMapOvr>
     <a:masterClrMapping/>
   </p:clrMapOvr>
-  <mc:AlternateContent xmlns:mc="http://schemas.openxmlformats.org/markup-compatibility/2006">
-    <mc:Choice xmlns="" xmlns:p14="http://schemas.microsoft.com/office/powerpoint/2010/main" Requires="p14">
+  <mc:AlternateContent xmlns:mc="http://schemas.openxmlformats.org/markup-compatibility/2006" xmlns:p14="http://schemas.microsoft.com/office/powerpoint/2010/main">
+    <mc:Choice Requires="p14">
       <p:transition p14:dur="100">
         <p:cut/>
       </p:transition>
     </mc:Choice>
-    <mc:Fallback>
+    <mc:Fallback xmlns="">
       <p:transition>
         <p:cut/>
       </p:transition>
@@ -4606,7 +4672,7 @@
             <a:fld id="{46027C3B-ABCB-0249-A4FA-2A37469F1C4E}" type="datetime2">
               <a:rPr lang="en-US" smtClean="0"/>
               <a:pPr/>
-              <a:t>Wednesday, April 01, 2015</a:t>
+              <a:t>Friday, April 03, 2015</a:t>
             </a:fld>
             <a:endParaRPr lang="en-US"/>
           </a:p>
@@ -4672,13 +4738,13 @@
   <p:clrMapOvr>
     <a:masterClrMapping/>
   </p:clrMapOvr>
-  <mc:AlternateContent xmlns:mc="http://schemas.openxmlformats.org/markup-compatibility/2006">
-    <mc:Choice xmlns="" xmlns:p14="http://schemas.microsoft.com/office/powerpoint/2010/main" Requires="p14">
+  <mc:AlternateContent xmlns:mc="http://schemas.openxmlformats.org/markup-compatibility/2006" xmlns:p14="http://schemas.microsoft.com/office/powerpoint/2010/main">
+    <mc:Choice Requires="p14">
       <p:transition p14:dur="100">
         <p:cut/>
       </p:transition>
     </mc:Choice>
-    <mc:Fallback>
+    <mc:Fallback xmlns="">
       <p:transition>
         <p:cut/>
       </p:transition>
@@ -4908,7 +4974,7 @@
             <a:fld id="{2EF7263A-B695-E045-B371-427CE3BBD559}" type="datetime2">
               <a:rPr lang="en-US" smtClean="0"/>
               <a:pPr/>
-              <a:t>Wednesday, April 01, 2015</a:t>
+              <a:t>Friday, April 03, 2015</a:t>
             </a:fld>
             <a:endParaRPr lang="en-US"/>
           </a:p>
@@ -4974,13 +5040,13 @@
   <p:clrMapOvr>
     <a:masterClrMapping/>
   </p:clrMapOvr>
-  <mc:AlternateContent xmlns:mc="http://schemas.openxmlformats.org/markup-compatibility/2006">
-    <mc:Choice xmlns="" xmlns:p14="http://schemas.microsoft.com/office/powerpoint/2010/main" Requires="p14">
+  <mc:AlternateContent xmlns:mc="http://schemas.openxmlformats.org/markup-compatibility/2006" xmlns:p14="http://schemas.microsoft.com/office/powerpoint/2010/main">
+    <mc:Choice Requires="p14">
       <p:transition p14:dur="100">
         <p:cut/>
       </p:transition>
     </mc:Choice>
-    <mc:Fallback>
+    <mc:Fallback xmlns="">
       <p:transition>
         <p:cut/>
       </p:transition>
@@ -5193,7 +5259,7 @@
             <a:fld id="{E88F21D5-8A27-D144-BD56-2E0DA25B6EEB}" type="datetime2">
               <a:rPr lang="en-US" smtClean="0"/>
               <a:pPr/>
-              <a:t>Wednesday, April 01, 2015</a:t>
+              <a:t>Friday, April 03, 2015</a:t>
             </a:fld>
             <a:endParaRPr lang="en-US"/>
           </a:p>
@@ -5259,13 +5325,13 @@
   <p:clrMapOvr>
     <a:masterClrMapping/>
   </p:clrMapOvr>
-  <mc:AlternateContent xmlns:mc="http://schemas.openxmlformats.org/markup-compatibility/2006">
-    <mc:Choice xmlns="" xmlns:p14="http://schemas.microsoft.com/office/powerpoint/2010/main" Requires="p14">
+  <mc:AlternateContent xmlns:mc="http://schemas.openxmlformats.org/markup-compatibility/2006" xmlns:p14="http://schemas.microsoft.com/office/powerpoint/2010/main">
+    <mc:Choice Requires="p14">
       <p:transition p14:dur="100">
         <p:cut/>
       </p:transition>
     </mc:Choice>
-    <mc:Fallback>
+    <mc:Fallback xmlns="">
       <p:transition>
         <p:cut/>
       </p:transition>
@@ -5459,7 +5525,7 @@
             <a:fld id="{3634E6B9-A6FC-5D46-BEFB-60D025A07933}" type="datetime2">
               <a:rPr lang="en-US" smtClean="0"/>
               <a:pPr/>
-              <a:t>Wednesday, April 01, 2015</a:t>
+              <a:t>Friday, April 03, 2015</a:t>
             </a:fld>
             <a:endParaRPr lang="en-US" dirty="0"/>
           </a:p>
@@ -5580,13 +5646,13 @@
     <p:sldLayoutId id="2147485505" r:id="rId10"/>
     <p:sldLayoutId id="2147485506" r:id="rId11"/>
   </p:sldLayoutIdLst>
-  <mc:AlternateContent xmlns:mc="http://schemas.openxmlformats.org/markup-compatibility/2006">
-    <mc:Choice xmlns="" xmlns:p14="http://schemas.microsoft.com/office/powerpoint/2010/main" Requires="p14">
+  <mc:AlternateContent xmlns:mc="http://schemas.openxmlformats.org/markup-compatibility/2006" xmlns:p14="http://schemas.microsoft.com/office/powerpoint/2010/main">
+    <mc:Choice Requires="p14">
       <p:transition p14:dur="100">
         <p:cut/>
       </p:transition>
     </mc:Choice>
-    <mc:Fallback>
+    <mc:Fallback xmlns="">
       <p:transition>
         <p:cut/>
       </p:transition>
@@ -6069,7 +6135,7 @@
                 </a:solidFill>
               </a:rPr>
               <a:pPr/>
-              <a:t>Wednesday, April 01, 2015</a:t>
+              <a:t>Friday, April 03, 2015</a:t>
             </a:fld>
             <a:endParaRPr lang="en-US" dirty="0">
               <a:solidFill>
@@ -6153,23 +6219,287 @@
           </a:p>
         </p:txBody>
       </p:sp>
+      <p:sp>
+        <p:nvSpPr>
+          <p:cNvPr id="6" name="Content Placeholder 2"/>
+          <p:cNvSpPr txBox="1">
+            <a:spLocks/>
+          </p:cNvSpPr>
+          <p:nvPr/>
+        </p:nvSpPr>
+        <p:spPr bwMode="auto">
+          <a:xfrm>
+            <a:off x="579748" y="3917807"/>
+            <a:ext cx="8229600" cy="2364187"/>
+          </a:xfrm>
+          <a:prstGeom prst="rect">
+            <a:avLst/>
+          </a:prstGeom>
+          <a:noFill/>
+          <a:ln w="9525">
+            <a:noFill/>
+            <a:miter lim="800000"/>
+            <a:headEnd/>
+            <a:tailEnd/>
+          </a:ln>
+        </p:spPr>
+        <p:txBody>
+          <a:bodyPr vert="horz" wrap="square" lIns="91440" tIns="45720" rIns="91440" bIns="45720" numCol="1" anchor="t" anchorCtr="0" compatLnSpc="1">
+            <a:prstTxWarp prst="textNoShape">
+              <a:avLst/>
+            </a:prstTxWarp>
+          </a:bodyPr>
+          <a:lstStyle>
+            <a:lvl1pPr marL="0" indent="0" algn="ctr" rtl="0" eaLnBrk="1" fontAlgn="base" hangingPunct="1">
+              <a:spcBef>
+                <a:spcPct val="20000"/>
+              </a:spcBef>
+              <a:spcAft>
+                <a:spcPct val="0"/>
+              </a:spcAft>
+              <a:buFont typeface="Arial" charset="0"/>
+              <a:buNone/>
+              <a:defRPr sz="2400" kern="1200">
+                <a:solidFill>
+                  <a:schemeClr val="tx1">
+                    <a:tint val="75000"/>
+                  </a:schemeClr>
+                </a:solidFill>
+                <a:latin typeface="+mn-lt"/>
+                <a:ea typeface="+mn-ea"/>
+                <a:cs typeface="+mn-cs"/>
+              </a:defRPr>
+            </a:lvl1pPr>
+            <a:lvl2pPr marL="457200" indent="0" algn="ctr" rtl="0" eaLnBrk="1" fontAlgn="base" hangingPunct="1">
+              <a:spcBef>
+                <a:spcPct val="20000"/>
+              </a:spcBef>
+              <a:spcAft>
+                <a:spcPct val="0"/>
+              </a:spcAft>
+              <a:buFont typeface="Arial" charset="0"/>
+              <a:buNone/>
+              <a:defRPr sz="2000" kern="1200">
+                <a:solidFill>
+                  <a:schemeClr val="tx1">
+                    <a:tint val="75000"/>
+                  </a:schemeClr>
+                </a:solidFill>
+                <a:latin typeface="+mn-lt"/>
+                <a:ea typeface="+mn-ea"/>
+                <a:cs typeface="+mn-cs"/>
+              </a:defRPr>
+            </a:lvl2pPr>
+            <a:lvl3pPr marL="914400" indent="0" algn="ctr" rtl="0" eaLnBrk="1" fontAlgn="base" hangingPunct="1">
+              <a:spcBef>
+                <a:spcPct val="20000"/>
+              </a:spcBef>
+              <a:spcAft>
+                <a:spcPct val="0"/>
+              </a:spcAft>
+              <a:buFont typeface="Arial" charset="0"/>
+              <a:buNone/>
+              <a:defRPr kern="1200">
+                <a:solidFill>
+                  <a:schemeClr val="tx1">
+                    <a:tint val="75000"/>
+                  </a:schemeClr>
+                </a:solidFill>
+                <a:latin typeface="+mn-lt"/>
+                <a:ea typeface="+mn-ea"/>
+                <a:cs typeface="+mn-cs"/>
+              </a:defRPr>
+            </a:lvl3pPr>
+            <a:lvl4pPr marL="1371600" indent="0" algn="ctr" rtl="0" eaLnBrk="1" fontAlgn="base" hangingPunct="1">
+              <a:spcBef>
+                <a:spcPct val="20000"/>
+              </a:spcBef>
+              <a:spcAft>
+                <a:spcPct val="0"/>
+              </a:spcAft>
+              <a:buFont typeface="Arial" charset="0"/>
+              <a:buNone/>
+              <a:defRPr sz="1600" kern="1200">
+                <a:solidFill>
+                  <a:schemeClr val="tx1">
+                    <a:tint val="75000"/>
+                  </a:schemeClr>
+                </a:solidFill>
+                <a:latin typeface="+mn-lt"/>
+                <a:ea typeface="+mn-ea"/>
+                <a:cs typeface="+mn-cs"/>
+              </a:defRPr>
+            </a:lvl4pPr>
+            <a:lvl5pPr marL="1828800" indent="0" algn="ctr" rtl="0" eaLnBrk="1" fontAlgn="base" hangingPunct="1">
+              <a:spcBef>
+                <a:spcPct val="20000"/>
+              </a:spcBef>
+              <a:spcAft>
+                <a:spcPct val="0"/>
+              </a:spcAft>
+              <a:buFont typeface="Arial" charset="0"/>
+              <a:buNone/>
+              <a:defRPr sz="1600" kern="1200">
+                <a:solidFill>
+                  <a:schemeClr val="tx1">
+                    <a:tint val="75000"/>
+                  </a:schemeClr>
+                </a:solidFill>
+                <a:latin typeface="+mn-lt"/>
+                <a:ea typeface="+mn-ea"/>
+                <a:cs typeface="+mn-cs"/>
+              </a:defRPr>
+            </a:lvl5pPr>
+            <a:lvl6pPr marL="2286000" indent="0" algn="ctr" defTabSz="914400" rtl="0" eaLnBrk="1" latinLnBrk="0" hangingPunct="1">
+              <a:spcBef>
+                <a:spcPct val="20000"/>
+              </a:spcBef>
+              <a:buFont typeface="Arial" pitchFamily="34" charset="0"/>
+              <a:buNone/>
+              <a:defRPr sz="2000" kern="1200">
+                <a:solidFill>
+                  <a:schemeClr val="tx1">
+                    <a:tint val="75000"/>
+                  </a:schemeClr>
+                </a:solidFill>
+                <a:latin typeface="+mn-lt"/>
+                <a:ea typeface="+mn-ea"/>
+                <a:cs typeface="+mn-cs"/>
+              </a:defRPr>
+            </a:lvl6pPr>
+            <a:lvl7pPr marL="2743200" indent="0" algn="ctr" defTabSz="914400" rtl="0" eaLnBrk="1" latinLnBrk="0" hangingPunct="1">
+              <a:spcBef>
+                <a:spcPct val="20000"/>
+              </a:spcBef>
+              <a:buFont typeface="Arial" pitchFamily="34" charset="0"/>
+              <a:buNone/>
+              <a:defRPr sz="2000" kern="1200">
+                <a:solidFill>
+                  <a:schemeClr val="tx1">
+                    <a:tint val="75000"/>
+                  </a:schemeClr>
+                </a:solidFill>
+                <a:latin typeface="+mn-lt"/>
+                <a:ea typeface="+mn-ea"/>
+                <a:cs typeface="+mn-cs"/>
+              </a:defRPr>
+            </a:lvl7pPr>
+            <a:lvl8pPr marL="3200400" indent="0" algn="ctr" defTabSz="914400" rtl="0" eaLnBrk="1" latinLnBrk="0" hangingPunct="1">
+              <a:spcBef>
+                <a:spcPct val="20000"/>
+              </a:spcBef>
+              <a:buFont typeface="Arial" pitchFamily="34" charset="0"/>
+              <a:buNone/>
+              <a:defRPr sz="2000" kern="1200">
+                <a:solidFill>
+                  <a:schemeClr val="tx1">
+                    <a:tint val="75000"/>
+                  </a:schemeClr>
+                </a:solidFill>
+                <a:latin typeface="+mn-lt"/>
+                <a:ea typeface="+mn-ea"/>
+                <a:cs typeface="+mn-cs"/>
+              </a:defRPr>
+            </a:lvl8pPr>
+            <a:lvl9pPr marL="3657600" indent="0" algn="ctr" defTabSz="914400" rtl="0" eaLnBrk="1" latinLnBrk="0" hangingPunct="1">
+              <a:spcBef>
+                <a:spcPct val="20000"/>
+              </a:spcBef>
+              <a:buFont typeface="Arial" pitchFamily="34" charset="0"/>
+              <a:buNone/>
+              <a:defRPr sz="2000" kern="1200">
+                <a:solidFill>
+                  <a:schemeClr val="tx1">
+                    <a:tint val="75000"/>
+                  </a:schemeClr>
+                </a:solidFill>
+                <a:latin typeface="+mn-lt"/>
+                <a:ea typeface="+mn-ea"/>
+                <a:cs typeface="+mn-cs"/>
+              </a:defRPr>
+            </a:lvl9pPr>
+          </a:lstStyle>
+          <a:p>
+            <a:pPr lvl="2" algn="r"/>
+            <a:r>
+              <a:rPr lang="en-US" smtClean="0">
+                <a:solidFill>
+                  <a:srgbClr val="000000"/>
+                </a:solidFill>
+              </a:rPr>
+              <a:t>Presenter</a:t>
+            </a:r>
+          </a:p>
+          <a:p>
+            <a:pPr lvl="2" algn="r"/>
+            <a:r>
+              <a:rPr lang="en-US" smtClean="0">
+                <a:solidFill>
+                  <a:srgbClr val="000000"/>
+                </a:solidFill>
+              </a:rPr>
+              <a:t>Vu </a:t>
+            </a:r>
+            <a:r>
+              <a:rPr lang="en-US" dirty="0" smtClean="0">
+                <a:solidFill>
+                  <a:srgbClr val="000000"/>
+                </a:solidFill>
+              </a:rPr>
+              <a:t>Quang Son</a:t>
+            </a:r>
+          </a:p>
+          <a:p>
+            <a:pPr lvl="2" algn="r"/>
+            <a:r>
+              <a:rPr lang="en-US" dirty="0" smtClean="0">
+                <a:solidFill>
+                  <a:srgbClr val="000000"/>
+                </a:solidFill>
+              </a:rPr>
+              <a:t>Pham Van </a:t>
+            </a:r>
+            <a:r>
+              <a:rPr lang="en-US" dirty="0" err="1" smtClean="0">
+                <a:solidFill>
+                  <a:srgbClr val="000000"/>
+                </a:solidFill>
+              </a:rPr>
+              <a:t>Quy</a:t>
+            </a:r>
+            <a:endParaRPr lang="en-US" dirty="0" smtClean="0">
+              <a:solidFill>
+                <a:srgbClr val="000000"/>
+              </a:solidFill>
+            </a:endParaRPr>
+          </a:p>
+          <a:p>
+            <a:pPr marL="1257300" lvl="2" indent="-342900" algn="l"/>
+            <a:endParaRPr lang="en-US" dirty="0">
+              <a:solidFill>
+                <a:srgbClr val="000000"/>
+              </a:solidFill>
+            </a:endParaRPr>
+          </a:p>
+        </p:txBody>
+      </p:sp>
     </p:spTree>
     <p:extLst>
       <p:ext uri="{BB962C8B-B14F-4D97-AF65-F5344CB8AC3E}">
-        <p14:creationId xmlns="" xmlns:p14="http://schemas.microsoft.com/office/powerpoint/2010/main" val="1516866467"/>
+        <p14:creationId xmlns:p14="http://schemas.microsoft.com/office/powerpoint/2010/main" val="1516866467"/>
       </p:ext>
     </p:extLst>
   </p:cSld>
   <p:clrMapOvr>
     <a:overrideClrMapping bg1="lt1" tx1="dk1" bg2="lt2" tx2="dk2" accent1="accent1" accent2="accent2" accent3="accent3" accent4="accent4" accent5="accent5" accent6="accent6" hlink="hlink" folHlink="folHlink"/>
   </p:clrMapOvr>
-  <mc:AlternateContent xmlns:mc="http://schemas.openxmlformats.org/markup-compatibility/2006">
-    <mc:Choice xmlns="" xmlns:p14="http://schemas.microsoft.com/office/powerpoint/2010/main" Requires="p14">
+  <mc:AlternateContent xmlns:mc="http://schemas.openxmlformats.org/markup-compatibility/2006" xmlns:p14="http://schemas.microsoft.com/office/powerpoint/2010/main">
+    <mc:Choice Requires="p14">
       <p:transition p14:dur="100">
         <p:cut/>
       </p:transition>
     </mc:Choice>
-    <mc:Fallback>
+    <mc:Fallback xmlns="">
       <p:transition>
         <p:cut/>
       </p:transition>
@@ -6229,7 +6559,7 @@
                 </a:solidFill>
               </a:rPr>
               <a:pPr/>
-              <a:t>Wednesday, April 01, 2015</a:t>
+              <a:t>Friday, April 03, 2015</a:t>
             </a:fld>
             <a:endParaRPr lang="en-US" dirty="0">
               <a:solidFill>
@@ -6769,20 +7099,20 @@
     </p:spTree>
     <p:extLst>
       <p:ext uri="{BB962C8B-B14F-4D97-AF65-F5344CB8AC3E}">
-        <p14:creationId xmlns="" xmlns:p14="http://schemas.microsoft.com/office/powerpoint/2010/main" val="1996837864"/>
+        <p14:creationId xmlns:p14="http://schemas.microsoft.com/office/powerpoint/2010/main" val="1996837864"/>
       </p:ext>
     </p:extLst>
   </p:cSld>
   <p:clrMapOvr>
     <a:masterClrMapping/>
   </p:clrMapOvr>
-  <mc:AlternateContent xmlns:mc="http://schemas.openxmlformats.org/markup-compatibility/2006">
-    <mc:Choice xmlns="" xmlns:p14="http://schemas.microsoft.com/office/powerpoint/2010/main" Requires="p14">
+  <mc:AlternateContent xmlns:mc="http://schemas.openxmlformats.org/markup-compatibility/2006" xmlns:p14="http://schemas.microsoft.com/office/powerpoint/2010/main">
+    <mc:Choice Requires="p14">
       <p:transition p14:dur="100">
         <p:cut/>
       </p:transition>
     </mc:Choice>
-    <mc:Fallback>
+    <mc:Fallback xmlns="">
       <p:transition>
         <p:cut/>
       </p:transition>
@@ -6842,7 +7172,7 @@
                 </a:solidFill>
               </a:rPr>
               <a:pPr/>
-              <a:t>Wednesday, April 01, 2015</a:t>
+              <a:t>Friday, April 03, 2015</a:t>
             </a:fld>
             <a:endParaRPr lang="en-US" dirty="0">
               <a:solidFill>
@@ -7349,20 +7679,20 @@
     </p:spTree>
     <p:extLst>
       <p:ext uri="{BB962C8B-B14F-4D97-AF65-F5344CB8AC3E}">
-        <p14:creationId xmlns="" xmlns:p14="http://schemas.microsoft.com/office/powerpoint/2010/main" val="1996837864"/>
+        <p14:creationId xmlns:p14="http://schemas.microsoft.com/office/powerpoint/2010/main" val="1996837864"/>
       </p:ext>
     </p:extLst>
   </p:cSld>
   <p:clrMapOvr>
     <a:masterClrMapping/>
   </p:clrMapOvr>
-  <mc:AlternateContent xmlns:mc="http://schemas.openxmlformats.org/markup-compatibility/2006">
-    <mc:Choice xmlns="" xmlns:p14="http://schemas.microsoft.com/office/powerpoint/2010/main" Requires="p14">
+  <mc:AlternateContent xmlns:mc="http://schemas.openxmlformats.org/markup-compatibility/2006" xmlns:p14="http://schemas.microsoft.com/office/powerpoint/2010/main">
+    <mc:Choice Requires="p14">
       <p:transition p14:dur="100">
         <p:cut/>
       </p:transition>
     </mc:Choice>
-    <mc:Fallback>
+    <mc:Fallback xmlns="">
       <p:transition>
         <p:cut/>
       </p:transition>
@@ -7422,7 +7752,7 @@
                 </a:solidFill>
               </a:rPr>
               <a:pPr/>
-              <a:t>Wednesday, April 01, 2015</a:t>
+              <a:t>Friday, April 03, 2015</a:t>
             </a:fld>
             <a:endParaRPr lang="en-US" dirty="0">
               <a:solidFill>
@@ -8032,20 +8362,20 @@
     </p:spTree>
     <p:extLst>
       <p:ext uri="{BB962C8B-B14F-4D97-AF65-F5344CB8AC3E}">
-        <p14:creationId xmlns="" xmlns:p14="http://schemas.microsoft.com/office/powerpoint/2010/main" val="1996837864"/>
+        <p14:creationId xmlns:p14="http://schemas.microsoft.com/office/powerpoint/2010/main" val="1996837864"/>
       </p:ext>
     </p:extLst>
   </p:cSld>
   <p:clrMapOvr>
     <a:masterClrMapping/>
   </p:clrMapOvr>
-  <mc:AlternateContent xmlns:mc="http://schemas.openxmlformats.org/markup-compatibility/2006">
-    <mc:Choice xmlns="" xmlns:p14="http://schemas.microsoft.com/office/powerpoint/2010/main" Requires="p14">
+  <mc:AlternateContent xmlns:mc="http://schemas.openxmlformats.org/markup-compatibility/2006" xmlns:p14="http://schemas.microsoft.com/office/powerpoint/2010/main">
+    <mc:Choice Requires="p14">
       <p:transition p14:dur="100">
         <p:cut/>
       </p:transition>
     </mc:Choice>
-    <mc:Fallback>
+    <mc:Fallback xmlns="">
       <p:transition>
         <p:cut/>
       </p:transition>
@@ -8105,7 +8435,7 @@
                 </a:solidFill>
               </a:rPr>
               <a:pPr/>
-              <a:t>Wednesday, April 01, 2015</a:t>
+              <a:t>Friday, April 03, 2015</a:t>
             </a:fld>
             <a:endParaRPr lang="en-US" dirty="0">
               <a:solidFill>
@@ -8688,29 +9018,8 @@
                   <a:srgbClr val="000000"/>
                 </a:solidFill>
               </a:rPr>
-              <a:t>Safari does not fully </a:t>
-            </a:r>
-            <a:r>
-              <a:rPr lang="en-US" dirty="0" smtClean="0">
-                <a:solidFill>
-                  <a:srgbClr val="000000"/>
-                </a:solidFill>
-              </a:rPr>
-              <a:t>support (Safari </a:t>
-            </a:r>
-            <a:r>
-              <a:rPr lang="en-US" dirty="0" smtClean="0">
-                <a:solidFill>
-                  <a:srgbClr val="000000"/>
-                </a:solidFill>
-              </a:rPr>
-              <a:t>8 promised to improve it)</a:t>
-            </a:r>
-            <a:endParaRPr lang="en-US" dirty="0" smtClean="0">
-              <a:solidFill>
-                <a:srgbClr val="000000"/>
-              </a:solidFill>
-            </a:endParaRPr>
+              <a:t>Safari does not fully support (Safari 8 promised to improve it)</a:t>
+            </a:r>
           </a:p>
           <a:p>
             <a:pPr marL="800100" lvl="1" indent="-342900" algn="l">
@@ -8723,15 +9032,7 @@
                   <a:srgbClr val="000000"/>
                 </a:solidFill>
               </a:rPr>
-              <a:t>Complex API, nested </a:t>
-            </a:r>
-            <a:r>
-              <a:rPr lang="en-US" dirty="0" smtClean="0">
-                <a:solidFill>
-                  <a:srgbClr val="000000"/>
-                </a:solidFill>
-              </a:rPr>
-              <a:t>callbacks</a:t>
+              <a:t>Complex API, nested callbacks</a:t>
             </a:r>
           </a:p>
           <a:p>
@@ -8747,11 +9048,6 @@
               </a:rPr>
               <a:t>Data can be deleted manually by users</a:t>
             </a:r>
-            <a:endParaRPr lang="en-US" dirty="0" smtClean="0">
-              <a:solidFill>
-                <a:srgbClr val="000000"/>
-              </a:solidFill>
-            </a:endParaRPr>
           </a:p>
           <a:p>
             <a:pPr marL="342900" indent="-342900" algn="l">
@@ -8791,20 +9087,20 @@
     </p:spTree>
     <p:extLst>
       <p:ext uri="{BB962C8B-B14F-4D97-AF65-F5344CB8AC3E}">
-        <p14:creationId xmlns="" xmlns:p14="http://schemas.microsoft.com/office/powerpoint/2010/main" val="1996837864"/>
+        <p14:creationId xmlns:p14="http://schemas.microsoft.com/office/powerpoint/2010/main" val="1996837864"/>
       </p:ext>
     </p:extLst>
   </p:cSld>
   <p:clrMapOvr>
     <a:masterClrMapping/>
   </p:clrMapOvr>
-  <mc:AlternateContent xmlns:mc="http://schemas.openxmlformats.org/markup-compatibility/2006">
-    <mc:Choice xmlns="" xmlns:p14="http://schemas.microsoft.com/office/powerpoint/2010/main" Requires="p14">
+  <mc:AlternateContent xmlns:mc="http://schemas.openxmlformats.org/markup-compatibility/2006" xmlns:p14="http://schemas.microsoft.com/office/powerpoint/2010/main">
+    <mc:Choice Requires="p14">
       <p:transition p14:dur="100">
         <p:cut/>
       </p:transition>
     </mc:Choice>
-    <mc:Fallback>
+    <mc:Fallback xmlns="">
       <p:transition>
         <p:cut/>
       </p:transition>
@@ -8864,7 +9160,7 @@
                 </a:solidFill>
               </a:rPr>
               <a:pPr/>
-              <a:t>Wednesday, April 01, 2015</a:t>
+              <a:t>Friday, April 03, 2015</a:t>
             </a:fld>
             <a:endParaRPr lang="en-US" dirty="0">
               <a:solidFill>
@@ -9533,20 +9829,20 @@
     </p:spTree>
     <p:extLst>
       <p:ext uri="{BB962C8B-B14F-4D97-AF65-F5344CB8AC3E}">
-        <p14:creationId xmlns="" xmlns:p14="http://schemas.microsoft.com/office/powerpoint/2010/main" val="1996837864"/>
+        <p14:creationId xmlns:p14="http://schemas.microsoft.com/office/powerpoint/2010/main" val="1996837864"/>
       </p:ext>
     </p:extLst>
   </p:cSld>
   <p:clrMapOvr>
     <a:masterClrMapping/>
   </p:clrMapOvr>
-  <mc:AlternateContent xmlns:mc="http://schemas.openxmlformats.org/markup-compatibility/2006">
-    <mc:Choice xmlns="" xmlns:p14="http://schemas.microsoft.com/office/powerpoint/2010/main" Requires="p14">
+  <mc:AlternateContent xmlns:mc="http://schemas.openxmlformats.org/markup-compatibility/2006" xmlns:p14="http://schemas.microsoft.com/office/powerpoint/2010/main">
+    <mc:Choice Requires="p14">
       <p:transition p14:dur="100">
         <p:cut/>
       </p:transition>
     </mc:Choice>
-    <mc:Fallback>
+    <mc:Fallback xmlns="">
       <p:transition>
         <p:cut/>
       </p:transition>
@@ -9606,7 +9902,7 @@
                 </a:solidFill>
               </a:rPr>
               <a:pPr/>
-              <a:t>Wednesday, April 01, 2015</a:t>
+              <a:t>Friday, April 03, 2015</a:t>
             </a:fld>
             <a:endParaRPr lang="en-US" dirty="0">
               <a:solidFill>
@@ -10135,20 +10431,20 @@
     </p:spTree>
     <p:extLst>
       <p:ext uri="{BB962C8B-B14F-4D97-AF65-F5344CB8AC3E}">
-        <p14:creationId xmlns="" xmlns:p14="http://schemas.microsoft.com/office/powerpoint/2010/main" val="1996837864"/>
+        <p14:creationId xmlns:p14="http://schemas.microsoft.com/office/powerpoint/2010/main" val="1996837864"/>
       </p:ext>
     </p:extLst>
   </p:cSld>
   <p:clrMapOvr>
     <a:masterClrMapping/>
   </p:clrMapOvr>
-  <mc:AlternateContent xmlns:mc="http://schemas.openxmlformats.org/markup-compatibility/2006">
-    <mc:Choice xmlns="" xmlns:p14="http://schemas.microsoft.com/office/powerpoint/2010/main" Requires="p14">
+  <mc:AlternateContent xmlns:mc="http://schemas.openxmlformats.org/markup-compatibility/2006" xmlns:p14="http://schemas.microsoft.com/office/powerpoint/2010/main">
+    <mc:Choice Requires="p14">
       <p:transition p14:dur="100">
         <p:cut/>
       </p:transition>
     </mc:Choice>
-    <mc:Fallback>
+    <mc:Fallback xmlns="">
       <p:transition>
         <p:cut/>
       </p:transition>
@@ -10208,7 +10504,7 @@
                 </a:solidFill>
               </a:rPr>
               <a:pPr/>
-              <a:t>Wednesday, April 01, 2015</a:t>
+              <a:t>Friday, April 03, 2015</a:t>
             </a:fld>
             <a:endParaRPr lang="en-US" dirty="0">
               <a:solidFill>
@@ -10738,20 +11034,20 @@
     </p:spTree>
     <p:extLst>
       <p:ext uri="{BB962C8B-B14F-4D97-AF65-F5344CB8AC3E}">
-        <p14:creationId xmlns="" xmlns:p14="http://schemas.microsoft.com/office/powerpoint/2010/main" val="1996837864"/>
+        <p14:creationId xmlns:p14="http://schemas.microsoft.com/office/powerpoint/2010/main" val="1996837864"/>
       </p:ext>
     </p:extLst>
   </p:cSld>
   <p:clrMapOvr>
     <a:masterClrMapping/>
   </p:clrMapOvr>
-  <mc:AlternateContent xmlns:mc="http://schemas.openxmlformats.org/markup-compatibility/2006">
-    <mc:Choice xmlns="" xmlns:p14="http://schemas.microsoft.com/office/powerpoint/2010/main" Requires="p14">
+  <mc:AlternateContent xmlns:mc="http://schemas.openxmlformats.org/markup-compatibility/2006" xmlns:p14="http://schemas.microsoft.com/office/powerpoint/2010/main">
+    <mc:Choice Requires="p14">
       <p:transition p14:dur="100">
         <p:cut/>
       </p:transition>
     </mc:Choice>
-    <mc:Fallback>
+    <mc:Fallback xmlns="">
       <p:transition>
         <p:cut/>
       </p:transition>
@@ -10811,7 +11107,7 @@
                 </a:solidFill>
               </a:rPr>
               <a:pPr/>
-              <a:t>Wednesday, April 01, 2015</a:t>
+              <a:t>Friday, April 03, 2015</a:t>
             </a:fld>
             <a:endParaRPr lang="en-US" dirty="0">
               <a:solidFill>
@@ -11368,20 +11664,20 @@
     </p:spTree>
     <p:extLst>
       <p:ext uri="{BB962C8B-B14F-4D97-AF65-F5344CB8AC3E}">
-        <p14:creationId xmlns="" xmlns:p14="http://schemas.microsoft.com/office/powerpoint/2010/main" val="1996837864"/>
+        <p14:creationId xmlns:p14="http://schemas.microsoft.com/office/powerpoint/2010/main" val="1996837864"/>
       </p:ext>
     </p:extLst>
   </p:cSld>
   <p:clrMapOvr>
     <a:masterClrMapping/>
   </p:clrMapOvr>
-  <mc:AlternateContent xmlns:mc="http://schemas.openxmlformats.org/markup-compatibility/2006">
-    <mc:Choice xmlns="" xmlns:p14="http://schemas.microsoft.com/office/powerpoint/2010/main" Requires="p14">
+  <mc:AlternateContent xmlns:mc="http://schemas.openxmlformats.org/markup-compatibility/2006" xmlns:p14="http://schemas.microsoft.com/office/powerpoint/2010/main">
+    <mc:Choice Requires="p14">
       <p:transition p14:dur="100">
         <p:cut/>
       </p:transition>
     </mc:Choice>
-    <mc:Fallback>
+    <mc:Fallback xmlns="">
       <p:transition>
         <p:cut/>
       </p:transition>
@@ -11441,7 +11737,7 @@
                 </a:solidFill>
               </a:rPr>
               <a:pPr/>
-              <a:t>Wednesday, April 01, 2015</a:t>
+              <a:t>Friday, April 03, 2015</a:t>
             </a:fld>
             <a:endParaRPr lang="en-US" dirty="0">
               <a:solidFill>
@@ -11984,20 +12280,20 @@
     </p:spTree>
     <p:extLst>
       <p:ext uri="{BB962C8B-B14F-4D97-AF65-F5344CB8AC3E}">
-        <p14:creationId xmlns="" xmlns:p14="http://schemas.microsoft.com/office/powerpoint/2010/main" val="3118596979"/>
+        <p14:creationId xmlns:p14="http://schemas.microsoft.com/office/powerpoint/2010/main" val="3118596979"/>
       </p:ext>
     </p:extLst>
   </p:cSld>
   <p:clrMapOvr>
     <a:masterClrMapping/>
   </p:clrMapOvr>
-  <mc:AlternateContent xmlns:mc="http://schemas.openxmlformats.org/markup-compatibility/2006">
-    <mc:Choice xmlns="" xmlns:p14="http://schemas.microsoft.com/office/powerpoint/2010/main" Requires="p14">
+  <mc:AlternateContent xmlns:mc="http://schemas.openxmlformats.org/markup-compatibility/2006" xmlns:p14="http://schemas.microsoft.com/office/powerpoint/2010/main">
+    <mc:Choice Requires="p14">
       <p:transition p14:dur="100">
         <p:cut/>
       </p:transition>
     </mc:Choice>
-    <mc:Fallback>
+    <mc:Fallback xmlns="">
       <p:transition>
         <p:cut/>
       </p:transition>
@@ -12057,7 +12353,7 @@
                 </a:solidFill>
               </a:rPr>
               <a:pPr/>
-              <a:t>Wednesday, April 01, 2015</a:t>
+              <a:t>Friday, April 03, 2015</a:t>
             </a:fld>
             <a:endParaRPr lang="en-US" dirty="0">
               <a:solidFill>
@@ -12637,20 +12933,20 @@
     </p:spTree>
     <p:extLst>
       <p:ext uri="{BB962C8B-B14F-4D97-AF65-F5344CB8AC3E}">
-        <p14:creationId xmlns="" xmlns:p14="http://schemas.microsoft.com/office/powerpoint/2010/main" val="507151963"/>
+        <p14:creationId xmlns:p14="http://schemas.microsoft.com/office/powerpoint/2010/main" val="507151963"/>
       </p:ext>
     </p:extLst>
   </p:cSld>
   <p:clrMapOvr>
     <a:masterClrMapping/>
   </p:clrMapOvr>
-  <mc:AlternateContent xmlns:mc="http://schemas.openxmlformats.org/markup-compatibility/2006">
-    <mc:Choice xmlns="" xmlns:p14="http://schemas.microsoft.com/office/powerpoint/2010/main" Requires="p14">
+  <mc:AlternateContent xmlns:mc="http://schemas.openxmlformats.org/markup-compatibility/2006" xmlns:p14="http://schemas.microsoft.com/office/powerpoint/2010/main">
+    <mc:Choice Requires="p14">
       <p:transition p14:dur="100">
         <p:cut/>
       </p:transition>
     </mc:Choice>
-    <mc:Fallback>
+    <mc:Fallback xmlns="">
       <p:transition>
         <p:cut/>
       </p:transition>
@@ -12710,7 +13006,7 @@
                 </a:solidFill>
               </a:rPr>
               <a:pPr/>
-              <a:t>Wednesday, April 01, 2015</a:t>
+              <a:t>Friday, April 03, 2015</a:t>
             </a:fld>
             <a:endParaRPr lang="en-US" dirty="0">
               <a:solidFill>
@@ -13247,20 +13543,20 @@
     </p:spTree>
     <p:extLst>
       <p:ext uri="{BB962C8B-B14F-4D97-AF65-F5344CB8AC3E}">
-        <p14:creationId xmlns="" xmlns:p14="http://schemas.microsoft.com/office/powerpoint/2010/main" val="3241635465"/>
+        <p14:creationId xmlns:p14="http://schemas.microsoft.com/office/powerpoint/2010/main" val="3241635465"/>
       </p:ext>
     </p:extLst>
   </p:cSld>
   <p:clrMapOvr>
     <a:overrideClrMapping bg1="lt1" tx1="dk1" bg2="lt2" tx2="dk2" accent1="accent1" accent2="accent2" accent3="accent3" accent4="accent4" accent5="accent5" accent6="accent6" hlink="hlink" folHlink="folHlink"/>
   </p:clrMapOvr>
-  <mc:AlternateContent xmlns:mc="http://schemas.openxmlformats.org/markup-compatibility/2006">
-    <mc:Choice xmlns="" xmlns:p14="http://schemas.microsoft.com/office/powerpoint/2010/main" Requires="p14">
+  <mc:AlternateContent xmlns:mc="http://schemas.openxmlformats.org/markup-compatibility/2006" xmlns:p14="http://schemas.microsoft.com/office/powerpoint/2010/main">
+    <mc:Choice Requires="p14">
       <p:transition p14:dur="100">
         <p:cut/>
       </p:transition>
     </mc:Choice>
-    <mc:Fallback>
+    <mc:Fallback xmlns="">
       <p:transition>
         <p:cut/>
       </p:transition>
@@ -13320,7 +13616,7 @@
                 </a:solidFill>
               </a:rPr>
               <a:pPr/>
-              <a:t>Wednesday, April 01, 2015</a:t>
+              <a:t>Friday, April 03, 2015</a:t>
             </a:fld>
             <a:endParaRPr lang="en-US" dirty="0">
               <a:solidFill>
@@ -13844,20 +14140,20 @@
     </p:spTree>
     <p:extLst>
       <p:ext uri="{BB962C8B-B14F-4D97-AF65-F5344CB8AC3E}">
-        <p14:creationId xmlns="" xmlns:p14="http://schemas.microsoft.com/office/powerpoint/2010/main" val="507151963"/>
+        <p14:creationId xmlns:p14="http://schemas.microsoft.com/office/powerpoint/2010/main" val="507151963"/>
       </p:ext>
     </p:extLst>
   </p:cSld>
   <p:clrMapOvr>
     <a:masterClrMapping/>
   </p:clrMapOvr>
-  <mc:AlternateContent xmlns:mc="http://schemas.openxmlformats.org/markup-compatibility/2006">
-    <mc:Choice xmlns="" xmlns:p14="http://schemas.microsoft.com/office/powerpoint/2010/main" Requires="p14">
+  <mc:AlternateContent xmlns:mc="http://schemas.openxmlformats.org/markup-compatibility/2006" xmlns:p14="http://schemas.microsoft.com/office/powerpoint/2010/main">
+    <mc:Choice Requires="p14">
       <p:transition p14:dur="100">
         <p:cut/>
       </p:transition>
     </mc:Choice>
-    <mc:Fallback>
+    <mc:Fallback xmlns="">
       <p:transition>
         <p:cut/>
       </p:transition>
@@ -13917,7 +14213,7 @@
                 </a:solidFill>
               </a:rPr>
               <a:pPr/>
-              <a:t>Wednesday, April 01, 2015</a:t>
+              <a:t>Friday, April 03, 2015</a:t>
             </a:fld>
             <a:endParaRPr lang="en-US" dirty="0">
               <a:solidFill>
@@ -14422,20 +14718,20 @@
     </p:spTree>
     <p:extLst>
       <p:ext uri="{BB962C8B-B14F-4D97-AF65-F5344CB8AC3E}">
-        <p14:creationId xmlns="" xmlns:p14="http://schemas.microsoft.com/office/powerpoint/2010/main" val="507151963"/>
+        <p14:creationId xmlns:p14="http://schemas.microsoft.com/office/powerpoint/2010/main" val="507151963"/>
       </p:ext>
     </p:extLst>
   </p:cSld>
   <p:clrMapOvr>
     <a:masterClrMapping/>
   </p:clrMapOvr>
-  <mc:AlternateContent xmlns:mc="http://schemas.openxmlformats.org/markup-compatibility/2006">
-    <mc:Choice xmlns="" xmlns:p14="http://schemas.microsoft.com/office/powerpoint/2010/main" Requires="p14">
+  <mc:AlternateContent xmlns:mc="http://schemas.openxmlformats.org/markup-compatibility/2006" xmlns:p14="http://schemas.microsoft.com/office/powerpoint/2010/main">
+    <mc:Choice Requires="p14">
       <p:transition p14:dur="100">
         <p:cut/>
       </p:transition>
     </mc:Choice>
-    <mc:Fallback>
+    <mc:Fallback xmlns="">
       <p:transition>
         <p:cut/>
       </p:transition>
@@ -14495,7 +14791,7 @@
                 </a:solidFill>
               </a:rPr>
               <a:pPr/>
-              <a:t>Wednesday, April 01, 2015</a:t>
+              <a:t>Friday, April 03, 2015</a:t>
             </a:fld>
             <a:endParaRPr lang="en-US" dirty="0">
               <a:solidFill>
@@ -14745,14 +15041,7 @@
                 <a:latin typeface="Constantia"/>
                 <a:cs typeface="Constantia"/>
               </a:rPr>
-              <a:t>Step 5: Get </a:t>
-            </a:r>
-            <a:r>
-              <a:rPr lang="en-US" sz="4000" dirty="0" smtClean="0">
-                <a:latin typeface="Constantia"/>
-                <a:cs typeface="Constantia"/>
-              </a:rPr>
-              <a:t>data with index</a:t>
+              <a:t>Step 5: Get data with index</a:t>
             </a:r>
             <a:endParaRPr lang="en-US" sz="4000" dirty="0">
               <a:latin typeface="Constantia"/>
@@ -15007,20 +15296,20 @@
     </p:spTree>
     <p:extLst>
       <p:ext uri="{BB962C8B-B14F-4D97-AF65-F5344CB8AC3E}">
-        <p14:creationId xmlns="" xmlns:p14="http://schemas.microsoft.com/office/powerpoint/2010/main" val="507151963"/>
+        <p14:creationId xmlns:p14="http://schemas.microsoft.com/office/powerpoint/2010/main" val="507151963"/>
       </p:ext>
     </p:extLst>
   </p:cSld>
   <p:clrMapOvr>
     <a:masterClrMapping/>
   </p:clrMapOvr>
-  <mc:AlternateContent xmlns:mc="http://schemas.openxmlformats.org/markup-compatibility/2006">
-    <mc:Choice xmlns="" xmlns:p14="http://schemas.microsoft.com/office/powerpoint/2010/main" Requires="p14">
+  <mc:AlternateContent xmlns:mc="http://schemas.openxmlformats.org/markup-compatibility/2006" xmlns:p14="http://schemas.microsoft.com/office/powerpoint/2010/main">
+    <mc:Choice Requires="p14">
       <p:transition p14:dur="100">
         <p:cut/>
       </p:transition>
     </mc:Choice>
-    <mc:Fallback>
+    <mc:Fallback xmlns="">
       <p:transition>
         <p:cut/>
       </p:transition>
@@ -15080,7 +15369,7 @@
                 </a:solidFill>
               </a:rPr>
               <a:pPr/>
-              <a:t>Wednesday, April 01, 2015</a:t>
+              <a:t>Friday, April 03, 2015</a:t>
             </a:fld>
             <a:endParaRPr lang="en-US" dirty="0">
               <a:solidFill>
@@ -15585,20 +15874,20 @@
     </p:spTree>
     <p:extLst>
       <p:ext uri="{BB962C8B-B14F-4D97-AF65-F5344CB8AC3E}">
-        <p14:creationId xmlns="" xmlns:p14="http://schemas.microsoft.com/office/powerpoint/2010/main" val="507151963"/>
+        <p14:creationId xmlns:p14="http://schemas.microsoft.com/office/powerpoint/2010/main" val="507151963"/>
       </p:ext>
     </p:extLst>
   </p:cSld>
   <p:clrMapOvr>
     <a:masterClrMapping/>
   </p:clrMapOvr>
-  <mc:AlternateContent xmlns:mc="http://schemas.openxmlformats.org/markup-compatibility/2006">
-    <mc:Choice xmlns="" xmlns:p14="http://schemas.microsoft.com/office/powerpoint/2010/main" Requires="p14">
+  <mc:AlternateContent xmlns:mc="http://schemas.openxmlformats.org/markup-compatibility/2006" xmlns:p14="http://schemas.microsoft.com/office/powerpoint/2010/main">
+    <mc:Choice Requires="p14">
       <p:transition p14:dur="100">
         <p:cut/>
       </p:transition>
     </mc:Choice>
-    <mc:Fallback>
+    <mc:Fallback xmlns="">
       <p:transition>
         <p:cut/>
       </p:transition>
@@ -15658,7 +15947,7 @@
                 </a:solidFill>
               </a:rPr>
               <a:pPr/>
-              <a:t>Wednesday, April 01, 2015</a:t>
+              <a:t>Friday, April 03, 2015</a:t>
             </a:fld>
             <a:endParaRPr lang="en-US" dirty="0">
               <a:solidFill>
@@ -16215,41 +16504,28 @@
                   <a:srgbClr val="000000"/>
                 </a:solidFill>
               </a:rPr>
-              <a:t>Helpful fo</a:t>
-            </a:r>
-            <a:r>
-              <a:rPr lang="en-US" dirty="0" smtClean="0">
-                <a:solidFill>
-                  <a:srgbClr val="000000"/>
-                </a:solidFill>
-              </a:rPr>
-              <a:t>r Safari browser and mobile browsers</a:t>
-            </a:r>
-            <a:endParaRPr lang="en-US" dirty="0" smtClean="0">
-              <a:solidFill>
-                <a:srgbClr val="000000"/>
-              </a:solidFill>
-            </a:endParaRPr>
+              <a:t>Helpful for Safari browser and mobile browsers</a:t>
+            </a:r>
           </a:p>
         </p:txBody>
       </p:sp>
     </p:spTree>
     <p:extLst>
       <p:ext uri="{BB962C8B-B14F-4D97-AF65-F5344CB8AC3E}">
-        <p14:creationId xmlns="" xmlns:p14="http://schemas.microsoft.com/office/powerpoint/2010/main" val="1996837864"/>
+        <p14:creationId xmlns:p14="http://schemas.microsoft.com/office/powerpoint/2010/main" val="1996837864"/>
       </p:ext>
     </p:extLst>
   </p:cSld>
   <p:clrMapOvr>
     <a:masterClrMapping/>
   </p:clrMapOvr>
-  <mc:AlternateContent xmlns:mc="http://schemas.openxmlformats.org/markup-compatibility/2006">
-    <mc:Choice xmlns="" xmlns:p14="http://schemas.microsoft.com/office/powerpoint/2010/main" Requires="p14">
+  <mc:AlternateContent xmlns:mc="http://schemas.openxmlformats.org/markup-compatibility/2006" xmlns:p14="http://schemas.microsoft.com/office/powerpoint/2010/main">
+    <mc:Choice Requires="p14">
       <p:transition p14:dur="100">
         <p:cut/>
       </p:transition>
     </mc:Choice>
-    <mc:Fallback>
+    <mc:Fallback xmlns="">
       <p:transition>
         <p:cut/>
       </p:transition>
@@ -16309,7 +16585,7 @@
                 </a:solidFill>
               </a:rPr>
               <a:pPr/>
-              <a:t>Wednesday, April 01, 2015</a:t>
+              <a:t>Friday, April 03, 2015</a:t>
             </a:fld>
             <a:endParaRPr lang="en-US" dirty="0">
               <a:solidFill>
@@ -16798,21 +17074,8 @@
                   <a:srgbClr val="000000"/>
                 </a:solidFill>
               </a:rPr>
-              <a:t>https</a:t>
-            </a:r>
-            <a:r>
-              <a:rPr lang="en-US" sz="1400" i="1" dirty="0" smtClean="0">
-                <a:solidFill>
-                  <a:srgbClr val="000000"/>
-                </a:solidFill>
-              </a:rPr>
-              <a:t>://developer.mozilla.org/en-US/docs/Web/API/IndexedDB_API/Basic_Concepts_Behind_IndexedDB</a:t>
-            </a:r>
-            <a:endParaRPr lang="en-US" sz="1400" i="1" dirty="0" smtClean="0">
-              <a:solidFill>
-                <a:srgbClr val="000000"/>
-              </a:solidFill>
-            </a:endParaRPr>
+              <a:t>https://developer.mozilla.org/en-US/docs/Web/API/IndexedDB_API/Basic_Concepts_Behind_IndexedDB</a:t>
+            </a:r>
           </a:p>
           <a:p>
             <a:pPr marL="342900" indent="-342900" algn="l">
@@ -16825,15 +17088,7 @@
                   <a:srgbClr val="000000"/>
                 </a:solidFill>
               </a:rPr>
-              <a:t>Working </a:t>
-            </a:r>
-            <a:r>
-              <a:rPr lang="en-US" sz="1800" dirty="0" smtClean="0">
-                <a:solidFill>
-                  <a:srgbClr val="000000"/>
-                </a:solidFill>
-              </a:rPr>
-              <a:t>With </a:t>
+              <a:t>Working With </a:t>
             </a:r>
             <a:r>
               <a:rPr lang="en-US" sz="1800" dirty="0" err="1" smtClean="0">
@@ -17123,20 +17378,20 @@
     </p:spTree>
     <p:extLst>
       <p:ext uri="{BB962C8B-B14F-4D97-AF65-F5344CB8AC3E}">
-        <p14:creationId xmlns="" xmlns:p14="http://schemas.microsoft.com/office/powerpoint/2010/main" val="1996837864"/>
+        <p14:creationId xmlns:p14="http://schemas.microsoft.com/office/powerpoint/2010/main" val="1996837864"/>
       </p:ext>
     </p:extLst>
   </p:cSld>
   <p:clrMapOvr>
     <a:masterClrMapping/>
   </p:clrMapOvr>
-  <mc:AlternateContent xmlns:mc="http://schemas.openxmlformats.org/markup-compatibility/2006">
-    <mc:Choice xmlns="" xmlns:p14="http://schemas.microsoft.com/office/powerpoint/2010/main" Requires="p14">
+  <mc:AlternateContent xmlns:mc="http://schemas.openxmlformats.org/markup-compatibility/2006" xmlns:p14="http://schemas.microsoft.com/office/powerpoint/2010/main">
+    <mc:Choice Requires="p14">
       <p:transition p14:dur="100">
         <p:cut/>
       </p:transition>
     </mc:Choice>
-    <mc:Fallback>
+    <mc:Fallback xmlns="">
       <p:transition>
         <p:cut/>
       </p:transition>
@@ -17238,7 +17493,7 @@
                 </a:solidFill>
               </a:rPr>
               <a:pPr/>
-              <a:t>Wednesday, April 01, 2015</a:t>
+              <a:t>Friday, April 03, 2015</a:t>
             </a:fld>
             <a:endParaRPr lang="en-US" dirty="0">
               <a:solidFill>
@@ -17325,20 +17580,20 @@
     </p:spTree>
     <p:extLst>
       <p:ext uri="{BB962C8B-B14F-4D97-AF65-F5344CB8AC3E}">
-        <p14:creationId xmlns="" xmlns:p14="http://schemas.microsoft.com/office/powerpoint/2010/main" val="3137979333"/>
+        <p14:creationId xmlns:p14="http://schemas.microsoft.com/office/powerpoint/2010/main" val="3137979333"/>
       </p:ext>
     </p:extLst>
   </p:cSld>
   <p:clrMapOvr>
     <a:masterClrMapping/>
   </p:clrMapOvr>
-  <mc:AlternateContent xmlns:mc="http://schemas.openxmlformats.org/markup-compatibility/2006">
-    <mc:Choice xmlns="" xmlns:p14="http://schemas.microsoft.com/office/powerpoint/2010/main" Requires="p14">
+  <mc:AlternateContent xmlns:mc="http://schemas.openxmlformats.org/markup-compatibility/2006" xmlns:p14="http://schemas.microsoft.com/office/powerpoint/2010/main">
+    <mc:Choice Requires="p14">
       <p:transition p14:dur="100">
         <p:cut/>
       </p:transition>
     </mc:Choice>
-    <mc:Fallback>
+    <mc:Fallback xmlns="">
       <p:transition>
         <p:cut/>
       </p:transition>
@@ -17398,7 +17653,7 @@
                 </a:solidFill>
               </a:rPr>
               <a:pPr/>
-              <a:t>Wednesday, April 01, 2015</a:t>
+              <a:t>Friday, April 03, 2015</a:t>
             </a:fld>
             <a:endParaRPr lang="en-US" dirty="0">
               <a:solidFill>
@@ -17940,20 +18195,20 @@
     </p:spTree>
     <p:extLst>
       <p:ext uri="{BB962C8B-B14F-4D97-AF65-F5344CB8AC3E}">
-        <p14:creationId xmlns="" xmlns:p14="http://schemas.microsoft.com/office/powerpoint/2010/main" val="1996837864"/>
+        <p14:creationId xmlns:p14="http://schemas.microsoft.com/office/powerpoint/2010/main" val="1996837864"/>
       </p:ext>
     </p:extLst>
   </p:cSld>
   <p:clrMapOvr>
     <a:masterClrMapping/>
   </p:clrMapOvr>
-  <mc:AlternateContent xmlns:mc="http://schemas.openxmlformats.org/markup-compatibility/2006">
-    <mc:Choice xmlns="" xmlns:p14="http://schemas.microsoft.com/office/powerpoint/2010/main" Requires="p14">
+  <mc:AlternateContent xmlns:mc="http://schemas.openxmlformats.org/markup-compatibility/2006" xmlns:p14="http://schemas.microsoft.com/office/powerpoint/2010/main">
+    <mc:Choice Requires="p14">
       <p:transition p14:dur="100">
         <p:cut/>
       </p:transition>
     </mc:Choice>
-    <mc:Fallback>
+    <mc:Fallback xmlns="">
       <p:transition>
         <p:cut/>
       </p:transition>
@@ -18013,7 +18268,7 @@
                 </a:solidFill>
               </a:rPr>
               <a:pPr/>
-              <a:t>Wednesday, April 01, 2015</a:t>
+              <a:t>Friday, April 03, 2015</a:t>
             </a:fld>
             <a:endParaRPr lang="en-US" dirty="0">
               <a:solidFill>
@@ -18567,20 +18822,20 @@
     </p:spTree>
     <p:extLst>
       <p:ext uri="{BB962C8B-B14F-4D97-AF65-F5344CB8AC3E}">
-        <p14:creationId xmlns="" xmlns:p14="http://schemas.microsoft.com/office/powerpoint/2010/main" val="1996837864"/>
+        <p14:creationId xmlns:p14="http://schemas.microsoft.com/office/powerpoint/2010/main" val="1996837864"/>
       </p:ext>
     </p:extLst>
   </p:cSld>
   <p:clrMapOvr>
     <a:masterClrMapping/>
   </p:clrMapOvr>
-  <mc:AlternateContent xmlns:mc="http://schemas.openxmlformats.org/markup-compatibility/2006">
-    <mc:Choice xmlns="" xmlns:p14="http://schemas.microsoft.com/office/powerpoint/2010/main" Requires="p14">
+  <mc:AlternateContent xmlns:mc="http://schemas.openxmlformats.org/markup-compatibility/2006" xmlns:p14="http://schemas.microsoft.com/office/powerpoint/2010/main">
+    <mc:Choice Requires="p14">
       <p:transition p14:dur="100">
         <p:cut/>
       </p:transition>
     </mc:Choice>
-    <mc:Fallback>
+    <mc:Fallback xmlns="">
       <p:transition>
         <p:cut/>
       </p:transition>
@@ -18640,7 +18895,7 @@
                 </a:solidFill>
               </a:rPr>
               <a:pPr/>
-              <a:t>Wednesday, April 01, 2015</a:t>
+              <a:t>Friday, April 03, 2015</a:t>
             </a:fld>
             <a:endParaRPr lang="en-US" dirty="0">
               <a:solidFill>
@@ -19167,7 +19422,7 @@
           <a:blip r:embed="rId2">
             <a:extLst>
               <a:ext uri="{28A0092B-C50C-407E-A947-70E740481C1C}">
-                <a14:useLocalDpi xmlns="" xmlns:a14="http://schemas.microsoft.com/office/drawing/2010/main" val="0"/>
+                <a14:useLocalDpi xmlns:a14="http://schemas.microsoft.com/office/drawing/2010/main" val="0"/>
               </a:ext>
             </a:extLst>
           </a:blip>
@@ -19191,14 +19446,14 @@
           <a:effectLst/>
           <a:extLst>
             <a:ext uri="{909E8E84-426E-40DD-AFC4-6F175D3DCCD1}">
-              <a14:hiddenFill xmlns="" xmlns:a14="http://schemas.microsoft.com/office/drawing/2010/main">
+              <a14:hiddenFill xmlns:a14="http://schemas.microsoft.com/office/drawing/2010/main">
                 <a:solidFill>
                   <a:schemeClr val="accent1"/>
                 </a:solidFill>
               </a14:hiddenFill>
             </a:ext>
             <a:ext uri="{91240B29-F687-4F45-9708-019B960494DF}">
-              <a14:hiddenLine xmlns="" xmlns:a14="http://schemas.microsoft.com/office/drawing/2010/main" w="9525">
+              <a14:hiddenLine xmlns:a14="http://schemas.microsoft.com/office/drawing/2010/main" w="9525">
                 <a:solidFill>
                   <a:schemeClr val="tx1"/>
                 </a:solidFill>
@@ -19208,7 +19463,7 @@
               </a14:hiddenLine>
             </a:ext>
             <a:ext uri="{AF507438-7753-43E0-B8FC-AC1667EBCBE1}">
-              <a14:hiddenEffects xmlns="" xmlns:a14="http://schemas.microsoft.com/office/drawing/2010/main">
+              <a14:hiddenEffects xmlns:a14="http://schemas.microsoft.com/office/drawing/2010/main">
                 <a:effectLst>
                   <a:outerShdw dist="35921" dir="2700000" algn="ctr" rotWithShape="0">
                     <a:schemeClr val="bg2"/>
@@ -19222,20 +19477,20 @@
     </p:spTree>
     <p:extLst>
       <p:ext uri="{BB962C8B-B14F-4D97-AF65-F5344CB8AC3E}">
-        <p14:creationId xmlns="" xmlns:p14="http://schemas.microsoft.com/office/powerpoint/2010/main" val="3120018727"/>
+        <p14:creationId xmlns:p14="http://schemas.microsoft.com/office/powerpoint/2010/main" val="3120018727"/>
       </p:ext>
     </p:extLst>
   </p:cSld>
   <p:clrMapOvr>
     <a:masterClrMapping/>
   </p:clrMapOvr>
-  <mc:AlternateContent xmlns:mc="http://schemas.openxmlformats.org/markup-compatibility/2006">
-    <mc:Choice xmlns="" xmlns:p14="http://schemas.microsoft.com/office/powerpoint/2010/main" Requires="p14">
+  <mc:AlternateContent xmlns:mc="http://schemas.openxmlformats.org/markup-compatibility/2006" xmlns:p14="http://schemas.microsoft.com/office/powerpoint/2010/main">
+    <mc:Choice Requires="p14">
       <p:transition p14:dur="100">
         <p:cut/>
       </p:transition>
     </mc:Choice>
-    <mc:Fallback>
+    <mc:Fallback xmlns="">
       <p:transition>
         <p:cut/>
       </p:transition>
@@ -19295,7 +19550,7 @@
                 </a:solidFill>
               </a:rPr>
               <a:pPr/>
-              <a:t>Wednesday, April 01, 2015</a:t>
+              <a:t>Friday, April 03, 2015</a:t>
             </a:fld>
             <a:endParaRPr lang="en-US" dirty="0">
               <a:solidFill>
@@ -19861,20 +20116,20 @@
     </p:spTree>
     <p:extLst>
       <p:ext uri="{BB962C8B-B14F-4D97-AF65-F5344CB8AC3E}">
-        <p14:creationId xmlns="" xmlns:p14="http://schemas.microsoft.com/office/powerpoint/2010/main" val="1996837864"/>
+        <p14:creationId xmlns:p14="http://schemas.microsoft.com/office/powerpoint/2010/main" val="1996837864"/>
       </p:ext>
     </p:extLst>
   </p:cSld>
   <p:clrMapOvr>
     <a:masterClrMapping/>
   </p:clrMapOvr>
-  <mc:AlternateContent xmlns:mc="http://schemas.openxmlformats.org/markup-compatibility/2006">
-    <mc:Choice xmlns="" xmlns:p14="http://schemas.microsoft.com/office/powerpoint/2010/main" Requires="p14">
+  <mc:AlternateContent xmlns:mc="http://schemas.openxmlformats.org/markup-compatibility/2006" xmlns:p14="http://schemas.microsoft.com/office/powerpoint/2010/main">
+    <mc:Choice Requires="p14">
       <p:transition p14:dur="100">
         <p:cut/>
       </p:transition>
     </mc:Choice>
-    <mc:Fallback>
+    <mc:Fallback xmlns="">
       <p:transition>
         <p:cut/>
       </p:transition>
@@ -19934,7 +20189,7 @@
                 </a:solidFill>
               </a:rPr>
               <a:pPr/>
-              <a:t>Wednesday, April 01, 2015</a:t>
+              <a:t>Friday, April 03, 2015</a:t>
             </a:fld>
             <a:endParaRPr lang="en-US" dirty="0">
               <a:solidFill>
@@ -20410,11 +20665,6 @@
               </a:rPr>
               <a:t>Data format</a:t>
             </a:r>
-            <a:endParaRPr lang="en-US" b="1" dirty="0" smtClean="0">
-              <a:solidFill>
-                <a:srgbClr val="000000"/>
-              </a:solidFill>
-            </a:endParaRPr>
           </a:p>
           <a:p>
             <a:pPr marL="800100" lvl="1" indent="-342900" algn="l">
@@ -20427,31 +20677,7 @@
                   <a:srgbClr val="000000"/>
                 </a:solidFill>
               </a:rPr>
-              <a:t>Anything </a:t>
-            </a:r>
-            <a:r>
-              <a:rPr lang="en-US" dirty="0" smtClean="0">
-                <a:solidFill>
-                  <a:srgbClr val="000000"/>
-                </a:solidFill>
-              </a:rPr>
-              <a:t>that can be expressed in </a:t>
-            </a:r>
-            <a:r>
-              <a:rPr lang="en-US" dirty="0" smtClean="0">
-                <a:solidFill>
-                  <a:srgbClr val="000000"/>
-                </a:solidFill>
-              </a:rPr>
-              <a:t>JavaScript</a:t>
-            </a:r>
-            <a:r>
-              <a:rPr lang="en-US" dirty="0" smtClean="0">
-                <a:solidFill>
-                  <a:srgbClr val="000000"/>
-                </a:solidFill>
-              </a:rPr>
-              <a:t/>
+              <a:t>Anything that can be expressed in JavaScript</a:t>
             </a:r>
             <a:br>
               <a:rPr lang="en-US" dirty="0" smtClean="0">
@@ -20498,23 +20724,7 @@
                   <a:srgbClr val="000000"/>
                 </a:solidFill>
               </a:rPr>
-              <a:t>, undefined</a:t>
-            </a:r>
-            <a:r>
-              <a:rPr lang="en-US" sz="1600" i="1" dirty="0" smtClean="0">
-                <a:solidFill>
-                  <a:srgbClr val="000000"/>
-                </a:solidFill>
-              </a:rPr>
-              <a:t>, and </a:t>
-            </a:r>
-            <a:r>
-              <a:rPr lang="en-US" sz="1600" i="1" dirty="0" smtClean="0">
-                <a:solidFill>
-                  <a:srgbClr val="000000"/>
-                </a:solidFill>
-              </a:rPr>
-              <a:t>null)</a:t>
+              <a:t>, undefined, and null)</a:t>
             </a:r>
             <a:endParaRPr lang="en-US" i="1" dirty="0" smtClean="0">
               <a:solidFill>
@@ -20549,20 +20759,20 @@
     </p:spTree>
     <p:extLst>
       <p:ext uri="{BB962C8B-B14F-4D97-AF65-F5344CB8AC3E}">
-        <p14:creationId xmlns="" xmlns:p14="http://schemas.microsoft.com/office/powerpoint/2010/main" val="3517133985"/>
+        <p14:creationId xmlns:p14="http://schemas.microsoft.com/office/powerpoint/2010/main" val="3517133985"/>
       </p:ext>
     </p:extLst>
   </p:cSld>
   <p:clrMapOvr>
     <a:masterClrMapping/>
   </p:clrMapOvr>
-  <mc:AlternateContent xmlns:mc="http://schemas.openxmlformats.org/markup-compatibility/2006">
-    <mc:Choice xmlns="" xmlns:p14="http://schemas.microsoft.com/office/powerpoint/2010/main" Requires="p14">
+  <mc:AlternateContent xmlns:mc="http://schemas.openxmlformats.org/markup-compatibility/2006" xmlns:p14="http://schemas.microsoft.com/office/powerpoint/2010/main">
+    <mc:Choice Requires="p14">
       <p:transition p14:dur="100">
         <p:cut/>
       </p:transition>
     </mc:Choice>
-    <mc:Fallback>
+    <mc:Fallback xmlns="">
       <p:transition>
         <p:cut/>
       </p:transition>
@@ -20622,7 +20832,7 @@
                 </a:solidFill>
               </a:rPr>
               <a:pPr/>
-              <a:t>Wednesday, April 01, 2015</a:t>
+              <a:t>Friday, April 03, 2015</a:t>
             </a:fld>
             <a:endParaRPr lang="en-US" dirty="0">
               <a:solidFill>
@@ -21279,20 +21489,20 @@
     </p:spTree>
     <p:extLst>
       <p:ext uri="{BB962C8B-B14F-4D97-AF65-F5344CB8AC3E}">
-        <p14:creationId xmlns="" xmlns:p14="http://schemas.microsoft.com/office/powerpoint/2010/main" val="3517133985"/>
+        <p14:creationId xmlns:p14="http://schemas.microsoft.com/office/powerpoint/2010/main" val="3517133985"/>
       </p:ext>
     </p:extLst>
   </p:cSld>
   <p:clrMapOvr>
     <a:masterClrMapping/>
   </p:clrMapOvr>
-  <mc:AlternateContent xmlns:mc="http://schemas.openxmlformats.org/markup-compatibility/2006">
-    <mc:Choice xmlns="" xmlns:p14="http://schemas.microsoft.com/office/powerpoint/2010/main" Requires="p14">
+  <mc:AlternateContent xmlns:mc="http://schemas.openxmlformats.org/markup-compatibility/2006" xmlns:p14="http://schemas.microsoft.com/office/powerpoint/2010/main">
+    <mc:Choice Requires="p14">
       <p:transition p14:dur="100">
         <p:cut/>
       </p:transition>
     </mc:Choice>
-    <mc:Fallback>
+    <mc:Fallback xmlns="">
       <p:transition>
         <p:cut/>
       </p:transition>
@@ -21352,7 +21562,7 @@
                 </a:solidFill>
               </a:rPr>
               <a:pPr/>
-              <a:t>Wednesday, April 01, 2015</a:t>
+              <a:t>Friday, April 03, 2015</a:t>
             </a:fld>
             <a:endParaRPr lang="en-US" dirty="0">
               <a:solidFill>
@@ -21908,20 +22118,20 @@
     </p:spTree>
     <p:extLst>
       <p:ext uri="{BB962C8B-B14F-4D97-AF65-F5344CB8AC3E}">
-        <p14:creationId xmlns="" xmlns:p14="http://schemas.microsoft.com/office/powerpoint/2010/main" val="1996837864"/>
+        <p14:creationId xmlns:p14="http://schemas.microsoft.com/office/powerpoint/2010/main" val="1996837864"/>
       </p:ext>
     </p:extLst>
   </p:cSld>
   <p:clrMapOvr>
     <a:masterClrMapping/>
   </p:clrMapOvr>
-  <mc:AlternateContent xmlns:mc="http://schemas.openxmlformats.org/markup-compatibility/2006">
-    <mc:Choice xmlns="" xmlns:p14="http://schemas.microsoft.com/office/powerpoint/2010/main" Requires="p14">
+  <mc:AlternateContent xmlns:mc="http://schemas.openxmlformats.org/markup-compatibility/2006" xmlns:p14="http://schemas.microsoft.com/office/powerpoint/2010/main">
+    <mc:Choice Requires="p14">
       <p:transition p14:dur="100">
         <p:cut/>
       </p:transition>
     </mc:Choice>
-    <mc:Fallback>
+    <mc:Fallback xmlns="">
       <p:transition>
         <p:cut/>
       </p:transition>
